--- a/ppt/angular/Angular12-Services.pptx
+++ b/ppt/angular/Angular12-Services.pptx
@@ -5,15 +5,23 @@
     <p:sldMasterId id="2147483653" r:id="rId1"/>
   </p:sldMasterIdLst>
   <p:notesMasterIdLst>
-    <p:notesMasterId r:id="rId5"/>
+    <p:notesMasterId r:id="rId13"/>
   </p:notesMasterIdLst>
   <p:handoutMasterIdLst>
-    <p:handoutMasterId r:id="rId6"/>
+    <p:handoutMasterId r:id="rId14"/>
   </p:handoutMasterIdLst>
   <p:sldIdLst>
     <p:sldId id="264" r:id="rId2"/>
     <p:sldId id="265" r:id="rId3"/>
-    <p:sldId id="266" r:id="rId4"/>
+    <p:sldId id="275" r:id="rId4"/>
+    <p:sldId id="266" r:id="rId5"/>
+    <p:sldId id="267" r:id="rId6"/>
+    <p:sldId id="268" r:id="rId7"/>
+    <p:sldId id="271" r:id="rId8"/>
+    <p:sldId id="270" r:id="rId9"/>
+    <p:sldId id="272" r:id="rId10"/>
+    <p:sldId id="273" r:id="rId11"/>
+    <p:sldId id="274" r:id="rId12"/>
   </p:sldIdLst>
   <p:sldSz cx="9144000" cy="6858000" type="screen4x3"/>
   <p:notesSz cx="6648450" cy="9782175"/>
@@ -3691,25 +3699,15 @@
             <a:pPr eaLnBrk="1" hangingPunct="1"/>
             <a:r>
               <a:rPr lang="fr-FR" altLang="fr-FR" dirty="0" smtClean="0"/>
-              <a:t>Chapitre </a:t>
-            </a:r>
+              <a:t>Chapitre 12</a:t>
+            </a:r>
+          </a:p>
+          <a:p>
+            <a:pPr eaLnBrk="1" hangingPunct="1"/>
             <a:r>
               <a:rPr lang="fr-FR" altLang="fr-FR" dirty="0" smtClean="0"/>
-              <a:t>12</a:t>
-            </a:r>
-            <a:endParaRPr lang="fr-FR" altLang="fr-FR" dirty="0" smtClean="0"/>
-          </a:p>
-          <a:p>
-            <a:pPr eaLnBrk="1" hangingPunct="1"/>
-            <a:r>
-              <a:rPr lang="fr-FR" altLang="fr-FR" dirty="0" smtClean="0"/>
-              <a:t>Les </a:t>
-            </a:r>
-            <a:r>
-              <a:rPr lang="fr-FR" altLang="fr-FR" dirty="0" smtClean="0"/>
-              <a:t>services</a:t>
-            </a:r>
-            <a:endParaRPr lang="fr-FR" altLang="fr-FR" dirty="0" smtClean="0"/>
+              <a:t>Les services</a:t>
+            </a:r>
           </a:p>
         </p:txBody>
       </p:sp>
@@ -3951,6 +3949,328 @@
 </p:sld>
 </file>
 
+<file path=ppt/slides/slide10.xml><?xml version="1.0" encoding="utf-8"?>
+<p:sld xmlns:a="http://schemas.openxmlformats.org/drawingml/2006/main" xmlns:r="http://schemas.openxmlformats.org/officeDocument/2006/relationships" xmlns:p="http://schemas.openxmlformats.org/presentationml/2006/main">
+  <p:cSld>
+    <p:spTree>
+      <p:nvGrpSpPr>
+        <p:cNvPr id="1" name=""/>
+        <p:cNvGrpSpPr/>
+        <p:nvPr/>
+      </p:nvGrpSpPr>
+      <p:grpSpPr>
+        <a:xfrm>
+          <a:off x="0" y="0"/>
+          <a:ext cx="0" cy="0"/>
+          <a:chOff x="0" y="0"/>
+          <a:chExt cx="0" cy="0"/>
+        </a:xfrm>
+      </p:grpSpPr>
+      <p:sp>
+        <p:nvSpPr>
+          <p:cNvPr id="2" name="Titre 1"/>
+          <p:cNvSpPr>
+            <a:spLocks noGrp="1"/>
+          </p:cNvSpPr>
+          <p:nvPr>
+            <p:ph type="title"/>
+          </p:nvPr>
+        </p:nvSpPr>
+        <p:spPr/>
+        <p:txBody>
+          <a:bodyPr/>
+          <a:lstStyle/>
+          <a:p>
+            <a:r>
+              <a:rPr lang="fr-FR" dirty="0" err="1" smtClean="0"/>
+              <a:t>ngOnInit</a:t>
+            </a:r>
+            <a:endParaRPr lang="fr-FR" dirty="0"/>
+          </a:p>
+        </p:txBody>
+      </p:sp>
+      <p:sp>
+        <p:nvSpPr>
+          <p:cNvPr id="3" name="Espace réservé du contenu 2"/>
+          <p:cNvSpPr>
+            <a:spLocks noGrp="1"/>
+          </p:cNvSpPr>
+          <p:nvPr>
+            <p:ph idx="1"/>
+          </p:nvPr>
+        </p:nvSpPr>
+        <p:spPr/>
+        <p:txBody>
+          <a:bodyPr/>
+          <a:lstStyle/>
+          <a:p>
+            <a:r>
+              <a:rPr lang="fr-FR" dirty="0" err="1" smtClean="0"/>
+              <a:t>ngOnInit</a:t>
+            </a:r>
+            <a:r>
+              <a:rPr lang="fr-FR" dirty="0" smtClean="0"/>
+              <a:t> est une méthode qui implémente l’interface </a:t>
+            </a:r>
+            <a:r>
+              <a:rPr lang="fr-FR" dirty="0" err="1" smtClean="0"/>
+              <a:t>OnInit</a:t>
+            </a:r>
+            <a:endParaRPr lang="fr-FR" dirty="0" smtClean="0"/>
+          </a:p>
+          <a:p>
+            <a:pPr lvl="1"/>
+            <a:r>
+              <a:rPr lang="fr-FR" dirty="0" smtClean="0"/>
+              <a:t>Obligatoire</a:t>
+            </a:r>
+          </a:p>
+          <a:p>
+            <a:pPr lvl="1"/>
+            <a:r>
+              <a:rPr lang="fr-FR" dirty="0" smtClean="0"/>
+              <a:t>Vide par défaut</a:t>
+            </a:r>
+          </a:p>
+          <a:p>
+            <a:pPr lvl="1"/>
+            <a:r>
+              <a:rPr lang="fr-FR" dirty="0" smtClean="0"/>
+              <a:t>1</a:t>
+            </a:r>
+            <a:r>
+              <a:rPr lang="fr-FR" baseline="30000" dirty="0" smtClean="0"/>
+              <a:t>ère</a:t>
+            </a:r>
+            <a:r>
+              <a:rPr lang="fr-FR" dirty="0" smtClean="0"/>
+              <a:t> méthode </a:t>
+            </a:r>
+            <a:r>
+              <a:rPr lang="fr-FR" dirty="0" smtClean="0"/>
+              <a:t>appelée </a:t>
+            </a:r>
+            <a:r>
+              <a:rPr lang="fr-FR" dirty="0" smtClean="0"/>
+              <a:t>par </a:t>
+            </a:r>
+            <a:r>
+              <a:rPr lang="fr-FR" dirty="0" err="1" smtClean="0"/>
+              <a:t>Angular</a:t>
+            </a:r>
+            <a:r>
+              <a:rPr lang="fr-FR" dirty="0" smtClean="0"/>
+              <a:t> après le constructeur</a:t>
+            </a:r>
+          </a:p>
+          <a:p>
+            <a:r>
+              <a:rPr lang="fr-FR" dirty="0" smtClean="0"/>
+              <a:t>Le code métier du composant doit se trouver dans </a:t>
+            </a:r>
+            <a:r>
+              <a:rPr lang="fr-FR" dirty="0" err="1" smtClean="0"/>
+              <a:t>ngOnInit</a:t>
+            </a:r>
+            <a:r>
+              <a:rPr lang="fr-FR" dirty="0" smtClean="0"/>
+              <a:t> et non dans le constructeur</a:t>
+            </a:r>
+          </a:p>
+          <a:p>
+            <a:pPr lvl="1"/>
+            <a:r>
+              <a:rPr lang="fr-FR" dirty="0" smtClean="0"/>
+              <a:t>Utilisé car on déteste avoir des attributs vides</a:t>
+            </a:r>
+          </a:p>
+        </p:txBody>
+      </p:sp>
+    </p:spTree>
+    <p:extLst>
+      <p:ext uri="{BB962C8B-B14F-4D97-AF65-F5344CB8AC3E}">
+        <p14:creationId xmlns:p14="http://schemas.microsoft.com/office/powerpoint/2010/main" val="3867520470"/>
+      </p:ext>
+    </p:extLst>
+  </p:cSld>
+  <p:clrMapOvr>
+    <a:masterClrMapping/>
+  </p:clrMapOvr>
+  <p:timing>
+    <p:tnLst>
+      <p:par>
+        <p:cTn id="1" dur="indefinite" restart="never" nodeType="tmRoot"/>
+      </p:par>
+    </p:tnLst>
+  </p:timing>
+</p:sld>
+</file>
+
+<file path=ppt/slides/slide11.xml><?xml version="1.0" encoding="utf-8"?>
+<p:sld xmlns:a="http://schemas.openxmlformats.org/drawingml/2006/main" xmlns:r="http://schemas.openxmlformats.org/officeDocument/2006/relationships" xmlns:p="http://schemas.openxmlformats.org/presentationml/2006/main">
+  <p:cSld>
+    <p:spTree>
+      <p:nvGrpSpPr>
+        <p:cNvPr id="1" name=""/>
+        <p:cNvGrpSpPr/>
+        <p:nvPr/>
+      </p:nvGrpSpPr>
+      <p:grpSpPr>
+        <a:xfrm>
+          <a:off x="0" y="0"/>
+          <a:ext cx="0" cy="0"/>
+          <a:chOff x="0" y="0"/>
+          <a:chExt cx="0" cy="0"/>
+        </a:xfrm>
+      </p:grpSpPr>
+      <p:sp>
+        <p:nvSpPr>
+          <p:cNvPr id="2" name="Titre 1"/>
+          <p:cNvSpPr>
+            <a:spLocks noGrp="1"/>
+          </p:cNvSpPr>
+          <p:nvPr>
+            <p:ph type="title"/>
+          </p:nvPr>
+        </p:nvSpPr>
+        <p:spPr/>
+        <p:txBody>
+          <a:bodyPr/>
+          <a:lstStyle/>
+          <a:p>
+            <a:r>
+              <a:rPr lang="fr-FR" dirty="0" smtClean="0"/>
+              <a:t>Exemple</a:t>
+            </a:r>
+            <a:endParaRPr lang="fr-FR" dirty="0"/>
+          </a:p>
+        </p:txBody>
+      </p:sp>
+      <p:sp>
+        <p:nvSpPr>
+          <p:cNvPr id="3" name="Espace réservé du contenu 2"/>
+          <p:cNvSpPr>
+            <a:spLocks noGrp="1"/>
+          </p:cNvSpPr>
+          <p:nvPr>
+            <p:ph idx="1"/>
+          </p:nvPr>
+        </p:nvSpPr>
+        <p:spPr/>
+        <p:txBody>
+          <a:bodyPr/>
+          <a:lstStyle/>
+          <a:p>
+            <a:r>
+              <a:rPr lang="fr-FR" dirty="0" err="1"/>
+              <a:t>ngOnInit</a:t>
+            </a:r>
+            <a:r>
+              <a:rPr lang="fr-FR" dirty="0"/>
+              <a:t>() { </a:t>
+            </a:r>
+            <a:r>
+              <a:rPr lang="fr-FR" dirty="0" err="1"/>
+              <a:t>this.getHeroes</a:t>
+            </a:r>
+            <a:r>
+              <a:rPr lang="fr-FR" dirty="0"/>
+              <a:t>(); </a:t>
+            </a:r>
+            <a:r>
+              <a:rPr lang="fr-FR" dirty="0" smtClean="0"/>
+              <a:t>}</a:t>
+            </a:r>
+          </a:p>
+          <a:p>
+            <a:pPr lvl="1"/>
+            <a:r>
+              <a:rPr lang="fr-FR" dirty="0" smtClean="0"/>
+              <a:t>Binding synchrone</a:t>
+            </a:r>
+          </a:p>
+          <a:p>
+            <a:pPr lvl="1"/>
+            <a:r>
+              <a:rPr lang="fr-FR" dirty="0" smtClean="0"/>
+              <a:t>La démo fonctionne car les données sont </a:t>
+            </a:r>
+            <a:r>
+              <a:rPr lang="fr-FR" dirty="0" err="1" smtClean="0"/>
+              <a:t>mockées</a:t>
+            </a:r>
+            <a:r>
+              <a:rPr lang="fr-FR" dirty="0" smtClean="0"/>
+              <a:t> donc rapides</a:t>
+            </a:r>
+          </a:p>
+          <a:p>
+            <a:r>
+              <a:rPr lang="fr-FR" dirty="0" smtClean="0"/>
+              <a:t>Appels synchrones</a:t>
+            </a:r>
+          </a:p>
+          <a:p>
+            <a:pPr lvl="1"/>
+            <a:r>
+              <a:rPr lang="fr-FR" dirty="0" err="1" smtClean="0"/>
+              <a:t>ngOnInit</a:t>
+            </a:r>
+            <a:r>
+              <a:rPr lang="fr-FR" dirty="0" smtClean="0"/>
+              <a:t> est synchrone</a:t>
+            </a:r>
+          </a:p>
+          <a:p>
+            <a:pPr lvl="1"/>
+            <a:r>
+              <a:rPr lang="fr-FR" dirty="0" smtClean="0"/>
+              <a:t>Le service est synchrone</a:t>
+            </a:r>
+          </a:p>
+          <a:p>
+            <a:pPr lvl="1"/>
+            <a:r>
+              <a:rPr lang="fr-FR" dirty="0" smtClean="0"/>
+              <a:t>Non viable car souvent le service est lent</a:t>
+            </a:r>
+          </a:p>
+          <a:p>
+            <a:pPr lvl="2"/>
+            <a:r>
+              <a:rPr lang="fr-FR" dirty="0" smtClean="0"/>
+              <a:t>Service REST</a:t>
+            </a:r>
+          </a:p>
+          <a:p>
+            <a:r>
+              <a:rPr lang="fr-FR" dirty="0" smtClean="0"/>
+              <a:t>Uniquement valable pour les services rapides</a:t>
+            </a:r>
+            <a:endParaRPr lang="fr-FR" dirty="0"/>
+          </a:p>
+        </p:txBody>
+      </p:sp>
+    </p:spTree>
+    <p:extLst>
+      <p:ext uri="{BB962C8B-B14F-4D97-AF65-F5344CB8AC3E}">
+        <p14:creationId xmlns:p14="http://schemas.microsoft.com/office/powerpoint/2010/main" val="1666801095"/>
+      </p:ext>
+    </p:extLst>
+  </p:cSld>
+  <p:clrMapOvr>
+    <a:masterClrMapping/>
+  </p:clrMapOvr>
+  <p:timing>
+    <p:tnLst>
+      <p:par>
+        <p:cTn id="1" dur="indefinite" restart="never" nodeType="tmRoot"/>
+      </p:par>
+    </p:tnLst>
+  </p:timing>
+</p:sld>
+</file>
+
 <file path=ppt/slides/slide2.xml><?xml version="1.0" encoding="utf-8"?>
 <p:sld xmlns:a="http://schemas.openxmlformats.org/drawingml/2006/main" xmlns:r="http://schemas.openxmlformats.org/officeDocument/2006/relationships" xmlns:p="http://schemas.openxmlformats.org/presentationml/2006/main">
   <p:cSld>
@@ -4008,15 +4328,7 @@
           <a:p>
             <a:r>
               <a:rPr lang="fr-FR" dirty="0" smtClean="0"/>
-              <a:t>Le services sont des modules qui peuvent contenir des </a:t>
-            </a:r>
-            <a:r>
-              <a:rPr lang="fr-FR" dirty="0" smtClean="0"/>
-              <a:t>objets </a:t>
-            </a:r>
-            <a:r>
-              <a:rPr lang="fr-FR" dirty="0" smtClean="0"/>
-              <a:t>partageables par toute l'application</a:t>
+              <a:t>Le services sont des modules qui peuvent contenir des objets partageables par toute l'application</a:t>
             </a:r>
           </a:p>
           <a:p>
@@ -4070,7 +4382,15 @@
             <a:pPr lvl="1"/>
             <a:r>
               <a:rPr lang="fr-FR" dirty="0" smtClean="0"/>
-              <a:t>Dans notre exemple va remplacer le </a:t>
+              <a:t>Dans notre exemple </a:t>
+            </a:r>
+            <a:r>
+              <a:rPr lang="fr-FR" dirty="0" smtClean="0"/>
+              <a:t>il va </a:t>
+            </a:r>
+            <a:r>
+              <a:rPr lang="fr-FR" dirty="0" smtClean="0"/>
+              <a:t>remplacer le </a:t>
             </a:r>
             <a:r>
               <a:rPr lang="fr-FR" dirty="0" err="1" smtClean="0"/>
@@ -4134,6 +4454,126 @@
           <a:p>
             <a:r>
               <a:rPr lang="fr-FR" dirty="0" smtClean="0"/>
+              <a:t>Architecture</a:t>
+            </a:r>
+            <a:endParaRPr lang="fr-FR" dirty="0"/>
+          </a:p>
+        </p:txBody>
+      </p:sp>
+      <p:sp>
+        <p:nvSpPr>
+          <p:cNvPr id="3" name="Espace réservé du contenu 2"/>
+          <p:cNvSpPr>
+            <a:spLocks noGrp="1"/>
+          </p:cNvSpPr>
+          <p:nvPr>
+            <p:ph idx="1"/>
+          </p:nvPr>
+        </p:nvSpPr>
+        <p:spPr/>
+        <p:txBody>
+          <a:bodyPr/>
+          <a:lstStyle/>
+          <a:p>
+            <a:endParaRPr lang="fr-FR"/>
+          </a:p>
+        </p:txBody>
+      </p:sp>
+      <p:pic>
+        <p:nvPicPr>
+          <p:cNvPr id="1026" name="Picture 2" descr="overview"/>
+          <p:cNvPicPr>
+            <a:picLocks noChangeAspect="1" noChangeArrowheads="1"/>
+          </p:cNvPicPr>
+          <p:nvPr/>
+        </p:nvPicPr>
+        <p:blipFill>
+          <a:blip r:embed="rId2">
+            <a:extLst>
+              <a:ext uri="{28A0092B-C50C-407E-A947-70E740481C1C}">
+                <a14:useLocalDpi xmlns:a14="http://schemas.microsoft.com/office/drawing/2010/main" val="0"/>
+              </a:ext>
+            </a:extLst>
+          </a:blip>
+          <a:srcRect/>
+          <a:stretch>
+            <a:fillRect/>
+          </a:stretch>
+        </p:blipFill>
+        <p:spPr bwMode="auto">
+          <a:xfrm>
+            <a:off x="172367" y="1389410"/>
+            <a:ext cx="8824448" cy="4487862"/>
+          </a:xfrm>
+          <a:prstGeom prst="rect">
+            <a:avLst/>
+          </a:prstGeom>
+          <a:noFill/>
+          <a:extLst>
+            <a:ext uri="{909E8E84-426E-40DD-AFC4-6F175D3DCCD1}">
+              <a14:hiddenFill xmlns:a14="http://schemas.microsoft.com/office/drawing/2010/main">
+                <a:solidFill>
+                  <a:srgbClr val="FFFFFF"/>
+                </a:solidFill>
+              </a14:hiddenFill>
+            </a:ext>
+          </a:extLst>
+        </p:spPr>
+      </p:pic>
+    </p:spTree>
+    <p:extLst>
+      <p:ext uri="{BB962C8B-B14F-4D97-AF65-F5344CB8AC3E}">
+        <p14:creationId xmlns:p14="http://schemas.microsoft.com/office/powerpoint/2010/main" val="2304152387"/>
+      </p:ext>
+    </p:extLst>
+  </p:cSld>
+  <p:clrMapOvr>
+    <a:masterClrMapping/>
+  </p:clrMapOvr>
+  <p:timing>
+    <p:tnLst>
+      <p:par>
+        <p:cTn id="1" dur="indefinite" restart="never" nodeType="tmRoot"/>
+      </p:par>
+    </p:tnLst>
+  </p:timing>
+</p:sld>
+</file>
+
+<file path=ppt/slides/slide4.xml><?xml version="1.0" encoding="utf-8"?>
+<p:sld xmlns:a="http://schemas.openxmlformats.org/drawingml/2006/main" xmlns:r="http://schemas.openxmlformats.org/officeDocument/2006/relationships" xmlns:p="http://schemas.openxmlformats.org/presentationml/2006/main">
+  <p:cSld>
+    <p:spTree>
+      <p:nvGrpSpPr>
+        <p:cNvPr id="1" name=""/>
+        <p:cNvGrpSpPr/>
+        <p:nvPr/>
+      </p:nvGrpSpPr>
+      <p:grpSpPr>
+        <a:xfrm>
+          <a:off x="0" y="0"/>
+          <a:ext cx="0" cy="0"/>
+          <a:chOff x="0" y="0"/>
+          <a:chExt cx="0" cy="0"/>
+        </a:xfrm>
+      </p:grpSpPr>
+      <p:sp>
+        <p:nvSpPr>
+          <p:cNvPr id="2" name="Titre 1"/>
+          <p:cNvSpPr>
+            <a:spLocks noGrp="1"/>
+          </p:cNvSpPr>
+          <p:nvPr>
+            <p:ph type="title"/>
+          </p:nvPr>
+        </p:nvSpPr>
+        <p:spPr/>
+        <p:txBody>
+          <a:bodyPr/>
+          <a:lstStyle/>
+          <a:p>
+            <a:r>
+              <a:rPr lang="fr-FR" dirty="0" smtClean="0"/>
               <a:t>Création d’un service</a:t>
             </a:r>
             <a:endParaRPr lang="fr-FR" dirty="0"/>
@@ -4239,6 +4679,839 @@
   <p:clrMapOvr>
     <a:masterClrMapping/>
   </p:clrMapOvr>
+  <p:timing>
+    <p:tnLst>
+      <p:par>
+        <p:cTn id="1" dur="indefinite" restart="never" nodeType="tmRoot"/>
+      </p:par>
+    </p:tnLst>
+  </p:timing>
+</p:sld>
+</file>
+
+<file path=ppt/slides/slide5.xml><?xml version="1.0" encoding="utf-8"?>
+<p:sld xmlns:a="http://schemas.openxmlformats.org/drawingml/2006/main" xmlns:r="http://schemas.openxmlformats.org/officeDocument/2006/relationships" xmlns:p="http://schemas.openxmlformats.org/presentationml/2006/main">
+  <p:cSld>
+    <p:spTree>
+      <p:nvGrpSpPr>
+        <p:cNvPr id="1" name=""/>
+        <p:cNvGrpSpPr/>
+        <p:nvPr/>
+      </p:nvGrpSpPr>
+      <p:grpSpPr>
+        <a:xfrm>
+          <a:off x="0" y="0"/>
+          <a:ext cx="0" cy="0"/>
+          <a:chOff x="0" y="0"/>
+          <a:chExt cx="0" cy="0"/>
+        </a:xfrm>
+      </p:grpSpPr>
+      <p:sp>
+        <p:nvSpPr>
+          <p:cNvPr id="2" name="Titre 1"/>
+          <p:cNvSpPr>
+            <a:spLocks noGrp="1"/>
+          </p:cNvSpPr>
+          <p:nvPr>
+            <p:ph type="title"/>
+          </p:nvPr>
+        </p:nvSpPr>
+        <p:spPr/>
+        <p:txBody>
+          <a:bodyPr/>
+          <a:lstStyle/>
+          <a:p>
+            <a:r>
+              <a:rPr lang="fr-FR" dirty="0" err="1" smtClean="0"/>
+              <a:t>IoD</a:t>
+            </a:r>
+            <a:endParaRPr lang="fr-FR" dirty="0"/>
+          </a:p>
+        </p:txBody>
+      </p:sp>
+      <p:sp>
+        <p:nvSpPr>
+          <p:cNvPr id="3" name="Espace réservé du contenu 2"/>
+          <p:cNvSpPr>
+            <a:spLocks noGrp="1"/>
+          </p:cNvSpPr>
+          <p:nvPr>
+            <p:ph idx="1"/>
+          </p:nvPr>
+        </p:nvSpPr>
+        <p:spPr/>
+        <p:txBody>
+          <a:bodyPr/>
+          <a:lstStyle/>
+          <a:p>
+            <a:r>
+              <a:rPr lang="fr-FR" dirty="0" err="1" smtClean="0"/>
+              <a:t>Angular</a:t>
+            </a:r>
+            <a:r>
+              <a:rPr lang="fr-FR" dirty="0" smtClean="0"/>
+              <a:t> est compatible avec les pattern </a:t>
+            </a:r>
+            <a:r>
+              <a:rPr lang="fr-FR" dirty="0" err="1" smtClean="0"/>
+              <a:t>IoD</a:t>
+            </a:r>
+            <a:r>
+              <a:rPr lang="fr-FR" dirty="0" smtClean="0"/>
+              <a:t> et </a:t>
+            </a:r>
+            <a:r>
+              <a:rPr lang="fr-FR" dirty="0" err="1" smtClean="0"/>
+              <a:t>Factory</a:t>
+            </a:r>
+            <a:endParaRPr lang="fr-FR" dirty="0" smtClean="0"/>
+          </a:p>
+          <a:p>
+            <a:pPr lvl="1"/>
+            <a:r>
+              <a:rPr lang="fr-FR" dirty="0" smtClean="0"/>
+              <a:t>Injection Of </a:t>
+            </a:r>
+            <a:r>
+              <a:rPr lang="fr-FR" dirty="0" err="1" smtClean="0"/>
+              <a:t>Dependency</a:t>
+            </a:r>
+            <a:endParaRPr lang="fr-FR" dirty="0" smtClean="0"/>
+          </a:p>
+          <a:p>
+            <a:r>
+              <a:rPr lang="fr-FR" dirty="0" smtClean="0"/>
+              <a:t>Ces services permettent d’</a:t>
+            </a:r>
+            <a:r>
+              <a:rPr lang="fr-FR" dirty="0" err="1" smtClean="0"/>
+              <a:t>instantier</a:t>
+            </a:r>
+            <a:r>
+              <a:rPr lang="fr-FR" dirty="0" smtClean="0"/>
+              <a:t> une classe avec des dépendances automatiquement</a:t>
+            </a:r>
+          </a:p>
+          <a:p>
+            <a:pPr lvl="1"/>
+            <a:r>
+              <a:rPr lang="fr-FR" dirty="0" smtClean="0"/>
+              <a:t>Les dépendances sont des attributs obligatoires pour que la classe fonctionne</a:t>
+            </a:r>
+          </a:p>
+          <a:p>
+            <a:pPr lvl="1"/>
+            <a:r>
+              <a:rPr lang="fr-FR" dirty="0" smtClean="0"/>
+              <a:t>Via constructeur, setter, attributs publiques, méthodes</a:t>
+            </a:r>
+          </a:p>
+          <a:p>
+            <a:pPr lvl="1"/>
+            <a:r>
+              <a:rPr lang="fr-FR" dirty="0" smtClean="0"/>
+              <a:t>Récursif : une classe est dépendante d’une autre classe …</a:t>
+            </a:r>
+          </a:p>
+          <a:p>
+            <a:endParaRPr lang="fr-FR" dirty="0"/>
+          </a:p>
+        </p:txBody>
+      </p:sp>
+    </p:spTree>
+    <p:extLst>
+      <p:ext uri="{BB962C8B-B14F-4D97-AF65-F5344CB8AC3E}">
+        <p14:creationId xmlns:p14="http://schemas.microsoft.com/office/powerpoint/2010/main" val="902588549"/>
+      </p:ext>
+    </p:extLst>
+  </p:cSld>
+  <p:clrMapOvr>
+    <a:masterClrMapping/>
+  </p:clrMapOvr>
+  <p:timing>
+    <p:tnLst>
+      <p:par>
+        <p:cTn id="1" dur="indefinite" restart="never" nodeType="tmRoot"/>
+      </p:par>
+    </p:tnLst>
+  </p:timing>
+</p:sld>
+</file>
+
+<file path=ppt/slides/slide6.xml><?xml version="1.0" encoding="utf-8"?>
+<p:sld xmlns:a="http://schemas.openxmlformats.org/drawingml/2006/main" xmlns:r="http://schemas.openxmlformats.org/officeDocument/2006/relationships" xmlns:p="http://schemas.openxmlformats.org/presentationml/2006/main">
+  <p:cSld>
+    <p:spTree>
+      <p:nvGrpSpPr>
+        <p:cNvPr id="1" name=""/>
+        <p:cNvGrpSpPr/>
+        <p:nvPr/>
+      </p:nvGrpSpPr>
+      <p:grpSpPr>
+        <a:xfrm>
+          <a:off x="0" y="0"/>
+          <a:ext cx="0" cy="0"/>
+          <a:chOff x="0" y="0"/>
+          <a:chExt cx="0" cy="0"/>
+        </a:xfrm>
+      </p:grpSpPr>
+      <p:sp>
+        <p:nvSpPr>
+          <p:cNvPr id="2" name="Titre 1"/>
+          <p:cNvSpPr>
+            <a:spLocks noGrp="1"/>
+          </p:cNvSpPr>
+          <p:nvPr>
+            <p:ph type="title"/>
+          </p:nvPr>
+        </p:nvSpPr>
+        <p:spPr/>
+        <p:txBody>
+          <a:bodyPr/>
+          <a:lstStyle/>
+          <a:p>
+            <a:r>
+              <a:rPr lang="fr-FR" dirty="0" smtClean="0"/>
+              <a:t>@Injectable</a:t>
+            </a:r>
+            <a:endParaRPr lang="fr-FR" dirty="0"/>
+          </a:p>
+        </p:txBody>
+      </p:sp>
+      <p:sp>
+        <p:nvSpPr>
+          <p:cNvPr id="3" name="Espace réservé du contenu 2"/>
+          <p:cNvSpPr>
+            <a:spLocks noGrp="1"/>
+          </p:cNvSpPr>
+          <p:nvPr>
+            <p:ph idx="1"/>
+          </p:nvPr>
+        </p:nvSpPr>
+        <p:spPr/>
+        <p:txBody>
+          <a:bodyPr/>
+          <a:lstStyle/>
+          <a:p>
+            <a:r>
+              <a:rPr lang="fr-FR" dirty="0" smtClean="0"/>
+              <a:t>Le décorateur @Injectable rend le service injectable</a:t>
+            </a:r>
+          </a:p>
+          <a:p>
+            <a:pPr lvl="1"/>
+            <a:r>
+              <a:rPr lang="fr-FR" dirty="0" smtClean="0"/>
+              <a:t>Le service pourra lui aussi injecter des dépendances</a:t>
+            </a:r>
+          </a:p>
+          <a:p>
+            <a:pPr lvl="1"/>
+            <a:r>
+              <a:rPr lang="fr-FR" dirty="0" smtClean="0"/>
+              <a:t>Récursif</a:t>
+            </a:r>
+          </a:p>
+          <a:p>
+            <a:r>
+              <a:rPr lang="fr-FR" dirty="0" err="1"/>
+              <a:t>providedIn</a:t>
+            </a:r>
+            <a:r>
+              <a:rPr lang="fr-FR" dirty="0"/>
+              <a:t>: </a:t>
+            </a:r>
+            <a:r>
+              <a:rPr lang="fr-FR" dirty="0" smtClean="0"/>
+              <a:t>'</a:t>
+            </a:r>
+            <a:r>
+              <a:rPr lang="fr-FR" dirty="0" err="1" smtClean="0"/>
+              <a:t>root</a:t>
+            </a:r>
+            <a:r>
+              <a:rPr lang="fr-FR" dirty="0" smtClean="0"/>
+              <a:t>‘</a:t>
+            </a:r>
+          </a:p>
+          <a:p>
+            <a:pPr lvl="1"/>
+            <a:r>
+              <a:rPr lang="fr-FR" dirty="0" smtClean="0"/>
+              <a:t>Signifie que le provider d’injection est le </a:t>
+            </a:r>
+            <a:r>
+              <a:rPr lang="fr-FR" dirty="0" err="1" smtClean="0"/>
+              <a:t>root</a:t>
+            </a:r>
+            <a:endParaRPr lang="fr-FR" dirty="0" smtClean="0"/>
+          </a:p>
+          <a:p>
+            <a:pPr lvl="1"/>
+            <a:r>
+              <a:rPr lang="fr-FR" dirty="0" smtClean="0"/>
+              <a:t>C’est-à-dire que le service est disponible de manière globale dans toute l’application</a:t>
+            </a:r>
+          </a:p>
+          <a:p>
+            <a:pPr lvl="1"/>
+            <a:r>
+              <a:rPr lang="fr-FR" dirty="0" smtClean="0"/>
+              <a:t>Singleton</a:t>
+            </a:r>
+            <a:endParaRPr lang="fr-FR" dirty="0"/>
+          </a:p>
+        </p:txBody>
+      </p:sp>
+      <p:pic>
+        <p:nvPicPr>
+          <p:cNvPr id="1026" name="Picture 2" descr="Service"/>
+          <p:cNvPicPr>
+            <a:picLocks noChangeAspect="1" noChangeArrowheads="1"/>
+          </p:cNvPicPr>
+          <p:nvPr/>
+        </p:nvPicPr>
+        <p:blipFill>
+          <a:blip r:embed="rId2">
+            <a:extLst>
+              <a:ext uri="{28A0092B-C50C-407E-A947-70E740481C1C}">
+                <a14:useLocalDpi xmlns:a14="http://schemas.microsoft.com/office/drawing/2010/main" val="0"/>
+              </a:ext>
+            </a:extLst>
+          </a:blip>
+          <a:srcRect/>
+          <a:stretch>
+            <a:fillRect/>
+          </a:stretch>
+        </p:blipFill>
+        <p:spPr bwMode="auto">
+          <a:xfrm>
+            <a:off x="4283968" y="4633453"/>
+            <a:ext cx="4562475" cy="2076450"/>
+          </a:xfrm>
+          <a:prstGeom prst="rect">
+            <a:avLst/>
+          </a:prstGeom>
+          <a:noFill/>
+          <a:extLst>
+            <a:ext uri="{909E8E84-426E-40DD-AFC4-6F175D3DCCD1}">
+              <a14:hiddenFill xmlns:a14="http://schemas.microsoft.com/office/drawing/2010/main">
+                <a:solidFill>
+                  <a:srgbClr val="FFFFFF"/>
+                </a:solidFill>
+              </a14:hiddenFill>
+            </a:ext>
+          </a:extLst>
+        </p:spPr>
+      </p:pic>
+    </p:spTree>
+    <p:extLst>
+      <p:ext uri="{BB962C8B-B14F-4D97-AF65-F5344CB8AC3E}">
+        <p14:creationId xmlns:p14="http://schemas.microsoft.com/office/powerpoint/2010/main" val="707878585"/>
+      </p:ext>
+    </p:extLst>
+  </p:cSld>
+  <p:clrMapOvr>
+    <a:masterClrMapping/>
+  </p:clrMapOvr>
+  <p:timing>
+    <p:tnLst>
+      <p:par>
+        <p:cTn id="1" dur="indefinite" restart="never" nodeType="tmRoot"/>
+      </p:par>
+    </p:tnLst>
+  </p:timing>
+</p:sld>
+</file>
+
+<file path=ppt/slides/slide7.xml><?xml version="1.0" encoding="utf-8"?>
+<p:sld xmlns:a="http://schemas.openxmlformats.org/drawingml/2006/main" xmlns:r="http://schemas.openxmlformats.org/officeDocument/2006/relationships" xmlns:p="http://schemas.openxmlformats.org/presentationml/2006/main">
+  <p:cSld>
+    <p:spTree>
+      <p:nvGrpSpPr>
+        <p:cNvPr id="1" name=""/>
+        <p:cNvGrpSpPr/>
+        <p:nvPr/>
+      </p:nvGrpSpPr>
+      <p:grpSpPr>
+        <a:xfrm>
+          <a:off x="0" y="0"/>
+          <a:ext cx="0" cy="0"/>
+          <a:chOff x="0" y="0"/>
+          <a:chExt cx="0" cy="0"/>
+        </a:xfrm>
+      </p:grpSpPr>
+      <p:sp>
+        <p:nvSpPr>
+          <p:cNvPr id="2" name="Titre 1"/>
+          <p:cNvSpPr>
+            <a:spLocks noGrp="1"/>
+          </p:cNvSpPr>
+          <p:nvPr>
+            <p:ph type="title"/>
+          </p:nvPr>
+        </p:nvSpPr>
+        <p:spPr/>
+        <p:txBody>
+          <a:bodyPr/>
+          <a:lstStyle/>
+          <a:p>
+            <a:r>
+              <a:rPr lang="fr-FR" dirty="0" smtClean="0"/>
+              <a:t>Code du service</a:t>
+            </a:r>
+            <a:endParaRPr lang="fr-FR" dirty="0"/>
+          </a:p>
+        </p:txBody>
+      </p:sp>
+      <p:sp>
+        <p:nvSpPr>
+          <p:cNvPr id="3" name="Espace réservé du contenu 2"/>
+          <p:cNvSpPr>
+            <a:spLocks noGrp="1"/>
+          </p:cNvSpPr>
+          <p:nvPr>
+            <p:ph idx="1"/>
+          </p:nvPr>
+        </p:nvSpPr>
+        <p:spPr/>
+        <p:txBody>
+          <a:bodyPr/>
+          <a:lstStyle/>
+          <a:p>
+            <a:r>
+              <a:rPr lang="fr-FR" dirty="0" smtClean="0"/>
+              <a:t>Le service est une classe TS comme les autres</a:t>
+            </a:r>
+          </a:p>
+          <a:p>
+            <a:pPr lvl="1"/>
+            <a:r>
+              <a:rPr lang="fr-FR" dirty="0" smtClean="0"/>
+              <a:t>Contrairement aux composants elle est orientée méthode</a:t>
+            </a:r>
+          </a:p>
+          <a:p>
+            <a:r>
+              <a:rPr lang="fr-FR" dirty="0" smtClean="0"/>
+              <a:t>Elle peut posséder n’importe quelle méthode</a:t>
+            </a:r>
+          </a:p>
+          <a:p>
+            <a:pPr lvl="1"/>
+            <a:r>
+              <a:rPr lang="fr-FR" dirty="0" err="1" smtClean="0"/>
+              <a:t>getHello</a:t>
+            </a:r>
+            <a:r>
+              <a:rPr lang="fr-FR" dirty="0" smtClean="0"/>
+              <a:t>() : string {return « Hello »;}</a:t>
+            </a:r>
+            <a:endParaRPr lang="fr-FR" dirty="0"/>
+          </a:p>
+          <a:p>
+            <a:r>
+              <a:rPr lang="fr-FR" dirty="0" smtClean="0"/>
+              <a:t>Exemple</a:t>
+            </a:r>
+            <a:endParaRPr lang="fr-FR" dirty="0"/>
+          </a:p>
+        </p:txBody>
+      </p:sp>
+      <p:pic>
+        <p:nvPicPr>
+          <p:cNvPr id="5" name="Image 4"/>
+          <p:cNvPicPr>
+            <a:picLocks noChangeAspect="1"/>
+          </p:cNvPicPr>
+          <p:nvPr/>
+        </p:nvPicPr>
+        <p:blipFill>
+          <a:blip r:embed="rId2"/>
+          <a:stretch>
+            <a:fillRect/>
+          </a:stretch>
+        </p:blipFill>
+        <p:spPr>
+          <a:xfrm>
+            <a:off x="5148064" y="3409561"/>
+            <a:ext cx="3520455" cy="3032110"/>
+          </a:xfrm>
+          <a:prstGeom prst="rect">
+            <a:avLst/>
+          </a:prstGeom>
+        </p:spPr>
+      </p:pic>
+    </p:spTree>
+    <p:extLst>
+      <p:ext uri="{BB962C8B-B14F-4D97-AF65-F5344CB8AC3E}">
+        <p14:creationId xmlns:p14="http://schemas.microsoft.com/office/powerpoint/2010/main" val="2416701395"/>
+      </p:ext>
+    </p:extLst>
+  </p:cSld>
+  <p:clrMapOvr>
+    <a:masterClrMapping/>
+  </p:clrMapOvr>
+  <p:timing>
+    <p:tnLst>
+      <p:par>
+        <p:cTn id="1" dur="indefinite" restart="never" nodeType="tmRoot"/>
+      </p:par>
+    </p:tnLst>
+  </p:timing>
+</p:sld>
+</file>
+
+<file path=ppt/slides/slide8.xml><?xml version="1.0" encoding="utf-8"?>
+<p:sld xmlns:a="http://schemas.openxmlformats.org/drawingml/2006/main" xmlns:r="http://schemas.openxmlformats.org/officeDocument/2006/relationships" xmlns:p="http://schemas.openxmlformats.org/presentationml/2006/main">
+  <p:cSld>
+    <p:spTree>
+      <p:nvGrpSpPr>
+        <p:cNvPr id="1" name=""/>
+        <p:cNvGrpSpPr/>
+        <p:nvPr/>
+      </p:nvGrpSpPr>
+      <p:grpSpPr>
+        <a:xfrm>
+          <a:off x="0" y="0"/>
+          <a:ext cx="0" cy="0"/>
+          <a:chOff x="0" y="0"/>
+          <a:chExt cx="0" cy="0"/>
+        </a:xfrm>
+      </p:grpSpPr>
+      <p:sp>
+        <p:nvSpPr>
+          <p:cNvPr id="2" name="Titre 1"/>
+          <p:cNvSpPr>
+            <a:spLocks noGrp="1"/>
+          </p:cNvSpPr>
+          <p:nvPr>
+            <p:ph type="title"/>
+          </p:nvPr>
+        </p:nvSpPr>
+        <p:spPr/>
+        <p:txBody>
+          <a:bodyPr/>
+          <a:lstStyle/>
+          <a:p>
+            <a:r>
+              <a:rPr lang="fr-FR" dirty="0" smtClean="0"/>
+              <a:t>Appel du service</a:t>
+            </a:r>
+            <a:endParaRPr lang="fr-FR" dirty="0"/>
+          </a:p>
+        </p:txBody>
+      </p:sp>
+      <p:sp>
+        <p:nvSpPr>
+          <p:cNvPr id="3" name="Espace réservé du contenu 2"/>
+          <p:cNvSpPr>
+            <a:spLocks noGrp="1"/>
+          </p:cNvSpPr>
+          <p:nvPr>
+            <p:ph idx="1"/>
+          </p:nvPr>
+        </p:nvSpPr>
+        <p:spPr/>
+        <p:txBody>
+          <a:bodyPr/>
+          <a:lstStyle/>
+          <a:p>
+            <a:r>
+              <a:rPr lang="fr-FR" dirty="0" smtClean="0"/>
+              <a:t>Un service est appelable par n’importe quel service ou composant</a:t>
+            </a:r>
+          </a:p>
+          <a:p>
+            <a:pPr lvl="1"/>
+            <a:r>
+              <a:rPr lang="fr-FR" dirty="0" smtClean="0"/>
+              <a:t>Si le service est injectable </a:t>
+            </a:r>
+            <a:r>
+              <a:rPr lang="fr-FR" dirty="0" err="1" smtClean="0"/>
+              <a:t>root</a:t>
+            </a:r>
+            <a:r>
+              <a:rPr lang="fr-FR" dirty="0" smtClean="0"/>
+              <a:t> il est alors appelable de partout</a:t>
+            </a:r>
+          </a:p>
+          <a:p>
+            <a:r>
+              <a:rPr lang="fr-FR" dirty="0" smtClean="0"/>
+              <a:t>Il d’abord l’importer</a:t>
+            </a:r>
+          </a:p>
+          <a:p>
+            <a:pPr lvl="1"/>
+            <a:r>
+              <a:rPr lang="fr-FR" dirty="0"/>
+              <a:t>import { </a:t>
+            </a:r>
+            <a:r>
+              <a:rPr lang="fr-FR" dirty="0" err="1"/>
+              <a:t>HeroService</a:t>
+            </a:r>
+            <a:r>
+              <a:rPr lang="fr-FR" dirty="0"/>
+              <a:t> } </a:t>
+            </a:r>
+            <a:r>
+              <a:rPr lang="fr-FR" dirty="0" err="1"/>
+              <a:t>from</a:t>
+            </a:r>
+            <a:r>
+              <a:rPr lang="fr-FR" dirty="0"/>
+              <a:t> '../</a:t>
+            </a:r>
+            <a:r>
+              <a:rPr lang="fr-FR" dirty="0" err="1"/>
+              <a:t>hero.service</a:t>
+            </a:r>
+            <a:r>
+              <a:rPr lang="fr-FR" dirty="0" smtClean="0"/>
+              <a:t>';</a:t>
+            </a:r>
+          </a:p>
+          <a:p>
+            <a:r>
+              <a:rPr lang="fr-FR" dirty="0" smtClean="0"/>
+              <a:t>Puis il faut l’injecter dans le constructeur</a:t>
+            </a:r>
+          </a:p>
+          <a:p>
+            <a:pPr lvl="1"/>
+            <a:r>
+              <a:rPr lang="fr-FR" dirty="0" err="1"/>
+              <a:t>constructor</a:t>
+            </a:r>
+            <a:r>
+              <a:rPr lang="fr-FR" dirty="0"/>
+              <a:t>(</a:t>
+            </a:r>
+            <a:r>
+              <a:rPr lang="fr-FR" dirty="0" err="1"/>
+              <a:t>private</a:t>
+            </a:r>
+            <a:r>
+              <a:rPr lang="fr-FR" dirty="0"/>
+              <a:t> </a:t>
+            </a:r>
+            <a:r>
+              <a:rPr lang="fr-FR" dirty="0" err="1"/>
+              <a:t>heroService</a:t>
+            </a:r>
+            <a:r>
+              <a:rPr lang="fr-FR" dirty="0"/>
+              <a:t>: </a:t>
+            </a:r>
+            <a:r>
+              <a:rPr lang="fr-FR" dirty="0" err="1"/>
+              <a:t>HeroService</a:t>
+            </a:r>
+            <a:r>
+              <a:rPr lang="fr-FR" dirty="0"/>
+              <a:t>) { </a:t>
+            </a:r>
+            <a:r>
+              <a:rPr lang="fr-FR" dirty="0" smtClean="0"/>
+              <a:t>}</a:t>
+            </a:r>
+          </a:p>
+          <a:p>
+            <a:pPr lvl="1"/>
+            <a:r>
+              <a:rPr lang="fr-FR" dirty="0" err="1" smtClean="0"/>
+              <a:t>IoD</a:t>
+            </a:r>
+            <a:r>
+              <a:rPr lang="fr-FR" dirty="0" smtClean="0"/>
+              <a:t> automatique</a:t>
+            </a:r>
+          </a:p>
+          <a:p>
+            <a:pPr lvl="1"/>
+            <a:endParaRPr lang="fr-FR" dirty="0" smtClean="0"/>
+          </a:p>
+          <a:p>
+            <a:pPr lvl="1"/>
+            <a:endParaRPr lang="fr-FR" dirty="0" smtClean="0"/>
+          </a:p>
+          <a:p>
+            <a:pPr lvl="1"/>
+            <a:endParaRPr lang="fr-FR" dirty="0" smtClean="0"/>
+          </a:p>
+          <a:p>
+            <a:endParaRPr lang="fr-FR" dirty="0"/>
+          </a:p>
+        </p:txBody>
+      </p:sp>
+    </p:spTree>
+    <p:extLst>
+      <p:ext uri="{BB962C8B-B14F-4D97-AF65-F5344CB8AC3E}">
+        <p14:creationId xmlns:p14="http://schemas.microsoft.com/office/powerpoint/2010/main" val="3990178089"/>
+      </p:ext>
+    </p:extLst>
+  </p:cSld>
+  <p:clrMapOvr>
+    <a:masterClrMapping/>
+  </p:clrMapOvr>
+  <p:timing>
+    <p:tnLst>
+      <p:par>
+        <p:cTn id="1" dur="indefinite" restart="never" nodeType="tmRoot"/>
+      </p:par>
+    </p:tnLst>
+  </p:timing>
+</p:sld>
+</file>
+
+<file path=ppt/slides/slide9.xml><?xml version="1.0" encoding="utf-8"?>
+<p:sld xmlns:a="http://schemas.openxmlformats.org/drawingml/2006/main" xmlns:r="http://schemas.openxmlformats.org/officeDocument/2006/relationships" xmlns:p="http://schemas.openxmlformats.org/presentationml/2006/main">
+  <p:cSld>
+    <p:spTree>
+      <p:nvGrpSpPr>
+        <p:cNvPr id="1" name=""/>
+        <p:cNvGrpSpPr/>
+        <p:nvPr/>
+      </p:nvGrpSpPr>
+      <p:grpSpPr>
+        <a:xfrm>
+          <a:off x="0" y="0"/>
+          <a:ext cx="0" cy="0"/>
+          <a:chOff x="0" y="0"/>
+          <a:chExt cx="0" cy="0"/>
+        </a:xfrm>
+      </p:grpSpPr>
+      <p:sp>
+        <p:nvSpPr>
+          <p:cNvPr id="2" name="Titre 1"/>
+          <p:cNvSpPr>
+            <a:spLocks noGrp="1"/>
+          </p:cNvSpPr>
+          <p:nvPr>
+            <p:ph type="title"/>
+          </p:nvPr>
+        </p:nvSpPr>
+        <p:spPr/>
+        <p:txBody>
+          <a:bodyPr/>
+          <a:lstStyle/>
+          <a:p>
+            <a:r>
+              <a:rPr lang="fr-FR" dirty="0" smtClean="0"/>
+              <a:t>Appel du service</a:t>
+            </a:r>
+            <a:endParaRPr lang="fr-FR" dirty="0"/>
+          </a:p>
+        </p:txBody>
+      </p:sp>
+      <p:sp>
+        <p:nvSpPr>
+          <p:cNvPr id="3" name="Espace réservé du contenu 2"/>
+          <p:cNvSpPr>
+            <a:spLocks noGrp="1"/>
+          </p:cNvSpPr>
+          <p:nvPr>
+            <p:ph idx="1"/>
+          </p:nvPr>
+        </p:nvSpPr>
+        <p:spPr/>
+        <p:txBody>
+          <a:bodyPr/>
+          <a:lstStyle/>
+          <a:p>
+            <a:r>
+              <a:rPr lang="fr-FR" dirty="0" smtClean="0"/>
+              <a:t>Le service est alors un singleton appelable partout dans la classe</a:t>
+            </a:r>
+          </a:p>
+          <a:p>
+            <a:r>
+              <a:rPr lang="fr-FR" dirty="0" smtClean="0"/>
+              <a:t>Exemple</a:t>
+            </a:r>
+          </a:p>
+          <a:p>
+            <a:pPr marL="457200" lvl="1" indent="0">
+              <a:buNone/>
+            </a:pPr>
+            <a:r>
+              <a:rPr lang="fr-FR" dirty="0" err="1"/>
+              <a:t>getHeroes</a:t>
+            </a:r>
+            <a:r>
+              <a:rPr lang="fr-FR" dirty="0"/>
+              <a:t>(): </a:t>
+            </a:r>
+            <a:r>
+              <a:rPr lang="fr-FR" dirty="0" err="1"/>
+              <a:t>void</a:t>
+            </a:r>
+            <a:r>
+              <a:rPr lang="fr-FR" dirty="0"/>
+              <a:t> {</a:t>
+            </a:r>
+          </a:p>
+          <a:p>
+            <a:pPr marL="457200" lvl="1" indent="0">
+              <a:buNone/>
+            </a:pPr>
+            <a:r>
+              <a:rPr lang="fr-FR" dirty="0"/>
+              <a:t>  </a:t>
+            </a:r>
+            <a:r>
+              <a:rPr lang="fr-FR" dirty="0" err="1"/>
+              <a:t>this.heroes</a:t>
+            </a:r>
+            <a:r>
+              <a:rPr lang="fr-FR" dirty="0"/>
+              <a:t> = </a:t>
+            </a:r>
+            <a:r>
+              <a:rPr lang="fr-FR" dirty="0" err="1"/>
+              <a:t>this.heroService.getHeroes</a:t>
+            </a:r>
+            <a:r>
+              <a:rPr lang="fr-FR" dirty="0"/>
+              <a:t>();</a:t>
+            </a:r>
+          </a:p>
+          <a:p>
+            <a:pPr marL="457200" lvl="1" indent="0">
+              <a:buNone/>
+            </a:pPr>
+            <a:r>
+              <a:rPr lang="fr-FR" dirty="0"/>
+              <a:t>}</a:t>
+            </a:r>
+            <a:endParaRPr lang="fr-FR" dirty="0" smtClean="0"/>
+          </a:p>
+          <a:p>
+            <a:pPr lvl="1"/>
+            <a:endParaRPr lang="fr-FR" dirty="0"/>
+          </a:p>
+        </p:txBody>
+      </p:sp>
+    </p:spTree>
+    <p:extLst>
+      <p:ext uri="{BB962C8B-B14F-4D97-AF65-F5344CB8AC3E}">
+        <p14:creationId xmlns:p14="http://schemas.microsoft.com/office/powerpoint/2010/main" val="622709686"/>
+      </p:ext>
+    </p:extLst>
+  </p:cSld>
+  <p:clrMapOvr>
+    <a:masterClrMapping/>
+  </p:clrMapOvr>
+  <p:timing>
+    <p:tnLst>
+      <p:par>
+        <p:cTn id="1" dur="indefinite" restart="never" nodeType="tmRoot"/>
+      </p:par>
+    </p:tnLst>
+  </p:timing>
 </p:sld>
 </file>
 
